--- a/Bilibili_Course/LLM/PowerPoint/【序】.pptx
+++ b/Bilibili_Course/LLM/PowerPoint/【序】.pptx
@@ -122,6 +122,11 @@
       </a:defRPr>
     </a:lvl9pPr>
   </p:defaultTextStyle>
+  <p:extLst>
+    <p:ext uri="{EFAFB233-063F-42B5-8137-9DF3F51BA10A}">
+      <p15:sldGuideLst xmlns:p15="http://schemas.microsoft.com/office/powerpoint/2012/main"/>
+    </p:ext>
+  </p:extLst>
 </p:presentation>
 </file>
 
@@ -207,7 +212,7 @@
           <a:p>
             <a:fld id="{FF8EFD6C-812A-4A56-9426-F3494F1E5E51}" type="datetimeFigureOut">
               <a:rPr lang="zh-CN" altLang="en-US" smtClean="0"/>
-              <a:t>2024/5/8</a:t>
+              <a:t>2024/5/9</a:t>
             </a:fld>
             <a:endParaRPr lang="zh-CN" altLang="en-US"/>
           </a:p>
@@ -690,7 +695,7 @@
           <a:p>
             <a:fld id="{A09E3DFA-BA45-4ECB-ADB1-7875A20F77B9}" type="datetimeFigureOut">
               <a:rPr lang="zh-CN" altLang="en-US" smtClean="0"/>
-              <a:t>2024/5/8</a:t>
+              <a:t>2024/5/9</a:t>
             </a:fld>
             <a:endParaRPr lang="zh-CN" altLang="en-US"/>
           </a:p>
@@ -860,7 +865,7 @@
           <a:p>
             <a:fld id="{A09E3DFA-BA45-4ECB-ADB1-7875A20F77B9}" type="datetimeFigureOut">
               <a:rPr lang="zh-CN" altLang="en-US" smtClean="0"/>
-              <a:t>2024/5/8</a:t>
+              <a:t>2024/5/9</a:t>
             </a:fld>
             <a:endParaRPr lang="zh-CN" altLang="en-US"/>
           </a:p>
@@ -1040,7 +1045,7 @@
           <a:p>
             <a:fld id="{A09E3DFA-BA45-4ECB-ADB1-7875A20F77B9}" type="datetimeFigureOut">
               <a:rPr lang="zh-CN" altLang="en-US" smtClean="0"/>
-              <a:t>2024/5/8</a:t>
+              <a:t>2024/5/9</a:t>
             </a:fld>
             <a:endParaRPr lang="zh-CN" altLang="en-US"/>
           </a:p>
@@ -1210,7 +1215,7 @@
           <a:p>
             <a:fld id="{A09E3DFA-BA45-4ECB-ADB1-7875A20F77B9}" type="datetimeFigureOut">
               <a:rPr lang="zh-CN" altLang="en-US" smtClean="0"/>
-              <a:t>2024/5/8</a:t>
+              <a:t>2024/5/9</a:t>
             </a:fld>
             <a:endParaRPr lang="zh-CN" altLang="en-US"/>
           </a:p>
@@ -1456,7 +1461,7 @@
           <a:p>
             <a:fld id="{A09E3DFA-BA45-4ECB-ADB1-7875A20F77B9}" type="datetimeFigureOut">
               <a:rPr lang="zh-CN" altLang="en-US" smtClean="0"/>
-              <a:t>2024/5/8</a:t>
+              <a:t>2024/5/9</a:t>
             </a:fld>
             <a:endParaRPr lang="zh-CN" altLang="en-US"/>
           </a:p>
@@ -1688,7 +1693,7 @@
           <a:p>
             <a:fld id="{A09E3DFA-BA45-4ECB-ADB1-7875A20F77B9}" type="datetimeFigureOut">
               <a:rPr lang="zh-CN" altLang="en-US" smtClean="0"/>
-              <a:t>2024/5/8</a:t>
+              <a:t>2024/5/9</a:t>
             </a:fld>
             <a:endParaRPr lang="zh-CN" altLang="en-US"/>
           </a:p>
@@ -2055,7 +2060,7 @@
           <a:p>
             <a:fld id="{A09E3DFA-BA45-4ECB-ADB1-7875A20F77B9}" type="datetimeFigureOut">
               <a:rPr lang="zh-CN" altLang="en-US" smtClean="0"/>
-              <a:t>2024/5/8</a:t>
+              <a:t>2024/5/9</a:t>
             </a:fld>
             <a:endParaRPr lang="zh-CN" altLang="en-US"/>
           </a:p>
@@ -2173,7 +2178,7 @@
           <a:p>
             <a:fld id="{A09E3DFA-BA45-4ECB-ADB1-7875A20F77B9}" type="datetimeFigureOut">
               <a:rPr lang="zh-CN" altLang="en-US" smtClean="0"/>
-              <a:t>2024/5/8</a:t>
+              <a:t>2024/5/9</a:t>
             </a:fld>
             <a:endParaRPr lang="zh-CN" altLang="en-US"/>
           </a:p>
@@ -2268,7 +2273,7 @@
           <a:p>
             <a:fld id="{A09E3DFA-BA45-4ECB-ADB1-7875A20F77B9}" type="datetimeFigureOut">
               <a:rPr lang="zh-CN" altLang="en-US" smtClean="0"/>
-              <a:t>2024/5/8</a:t>
+              <a:t>2024/5/9</a:t>
             </a:fld>
             <a:endParaRPr lang="zh-CN" altLang="en-US"/>
           </a:p>
@@ -2545,7 +2550,7 @@
           <a:p>
             <a:fld id="{A09E3DFA-BA45-4ECB-ADB1-7875A20F77B9}" type="datetimeFigureOut">
               <a:rPr lang="zh-CN" altLang="en-US" smtClean="0"/>
-              <a:t>2024/5/8</a:t>
+              <a:t>2024/5/9</a:t>
             </a:fld>
             <a:endParaRPr lang="zh-CN" altLang="en-US"/>
           </a:p>
@@ -2798,7 +2803,7 @@
           <a:p>
             <a:fld id="{A09E3DFA-BA45-4ECB-ADB1-7875A20F77B9}" type="datetimeFigureOut">
               <a:rPr lang="zh-CN" altLang="en-US" smtClean="0"/>
-              <a:t>2024/5/8</a:t>
+              <a:t>2024/5/9</a:t>
             </a:fld>
             <a:endParaRPr lang="zh-CN" altLang="en-US"/>
           </a:p>
@@ -3011,7 +3016,7 @@
           <a:p>
             <a:fld id="{A09E3DFA-BA45-4ECB-ADB1-7875A20F77B9}" type="datetimeFigureOut">
               <a:rPr lang="zh-CN" altLang="en-US" smtClean="0"/>
-              <a:t>2024/5/8</a:t>
+              <a:t>2024/5/9</a:t>
             </a:fld>
             <a:endParaRPr lang="zh-CN" altLang="en-US"/>
           </a:p>
@@ -3532,14 +3537,7 @@
                 <a:latin typeface="Arial" panose="020B0604020202020204" pitchFamily="34" charset="0"/>
                 <a:cs typeface="Arial" panose="020B0604020202020204" pitchFamily="34" charset="0"/>
               </a:rPr>
-              <a:t>—— Await an Era of</a:t>
-            </a:r>
-            <a:r>
-              <a:rPr lang="en-US" altLang="zh-CN" sz="1800" dirty="0" smtClean="0">
-                <a:latin typeface="Arial" panose="020B0604020202020204" pitchFamily="34" charset="0"/>
-                <a:cs typeface="Arial" panose="020B0604020202020204" pitchFamily="34" charset="0"/>
-              </a:rPr>
-              <a:t> Artificial General Intelligence</a:t>
+              <a:t>—— Await an Era of Artificial General Intelligence</a:t>
             </a:r>
             <a:endParaRPr lang="zh-CN" altLang="en-US" sz="1800" dirty="0">
               <a:latin typeface="Arial" panose="020B0604020202020204" pitchFamily="34" charset="0"/>
@@ -4012,23 +4010,7 @@
                 <a:ea typeface="微软雅黑" pitchFamily="34" charset="-122"/>
                 <a:cs typeface="Arial" panose="020B0604020202020204" pitchFamily="34" charset="0"/>
               </a:rPr>
-              <a:t>LLM: </a:t>
-            </a:r>
-            <a:r>
-              <a:rPr lang="en-US" altLang="zh-CN" sz="4000" dirty="0" smtClean="0">
-                <a:latin typeface="Arial" panose="020B0604020202020204" pitchFamily="34" charset="0"/>
-                <a:ea typeface="微软雅黑" pitchFamily="34" charset="-122"/>
-                <a:cs typeface="Arial" panose="020B0604020202020204" pitchFamily="34" charset="0"/>
-              </a:rPr>
-              <a:t>Aim at </a:t>
-            </a:r>
-            <a:r>
-              <a:rPr lang="en-US" altLang="zh-CN" sz="4000" dirty="0" smtClean="0">
-                <a:latin typeface="Arial" panose="020B0604020202020204" pitchFamily="34" charset="0"/>
-                <a:ea typeface="微软雅黑" pitchFamily="34" charset="-122"/>
-                <a:cs typeface="Arial" panose="020B0604020202020204" pitchFamily="34" charset="0"/>
-              </a:rPr>
-              <a:t>Approaching AGI!</a:t>
+              <a:t>LLM: Aim at Approaching AGI!</a:t>
             </a:r>
             <a:endParaRPr lang="zh-CN" altLang="en-US" sz="4000" dirty="0">
               <a:latin typeface="Arial" panose="020B0604020202020204" pitchFamily="34" charset="0"/>
@@ -4849,14 +4831,7 @@
                 <a:latin typeface="Arial" panose="020B0604020202020204" pitchFamily="34" charset="0"/>
                 <a:cs typeface="Arial" panose="020B0604020202020204" pitchFamily="34" charset="0"/>
               </a:rPr>
-              <a:t>Figure. LLM-UNIVERSE Logo and Star History		    Figure. </a:t>
-            </a:r>
-            <a:r>
-              <a:rPr lang="en-US" altLang="zh-CN" dirty="0" smtClean="0">
-                <a:latin typeface="Arial" panose="020B0604020202020204" pitchFamily="34" charset="0"/>
-                <a:cs typeface="Arial" panose="020B0604020202020204" pitchFamily="34" charset="0"/>
-              </a:rPr>
-              <a:t>LLM-UNIVERSE Outline</a:t>
+              <a:t>Figure. LLM-UNIVERSE Logo and Star History		    Figure. LLM-UNIVERSE Outline</a:t>
             </a:r>
             <a:endParaRPr lang="en-US" altLang="zh-CN" baseline="30000" dirty="0">
               <a:latin typeface="Arial" panose="020B0604020202020204" pitchFamily="34" charset="0"/>
@@ -7954,21 +7929,7 @@
                 <a:latin typeface="Arial" panose="020B0604020202020204" pitchFamily="34" charset="0"/>
                 <a:cs typeface="Arial" panose="020B0604020202020204" pitchFamily="34" charset="0"/>
               </a:rPr>
-              <a:t>This presentation is mainly referred to paper “</a:t>
-            </a:r>
-            <a:r>
-              <a:rPr lang="en-US" altLang="zh-CN" dirty="0" smtClean="0">
-                <a:latin typeface="Arial" panose="020B0604020202020204" pitchFamily="34" charset="0"/>
-                <a:cs typeface="Arial" panose="020B0604020202020204" pitchFamily="34" charset="0"/>
-              </a:rPr>
-              <a:t>A survey of large language models</a:t>
-            </a:r>
-            <a:r>
-              <a:rPr lang="en-US" altLang="zh-CN" dirty="0" smtClean="0">
-                <a:latin typeface="Arial" panose="020B0604020202020204" pitchFamily="34" charset="0"/>
-                <a:cs typeface="Arial" panose="020B0604020202020204" pitchFamily="34" charset="0"/>
-              </a:rPr>
-              <a:t>” (Zhao et al., 2023). </a:t>
+              <a:t>This presentation is mainly referred to paper “A survey of large language models” (Zhao et al., 2023). </a:t>
             </a:r>
             <a:endParaRPr lang="zh-CN" altLang="en-US" dirty="0">
               <a:latin typeface="Arial" panose="020B0604020202020204" pitchFamily="34" charset="0"/>

--- a/Bilibili_Course/LLM/PowerPoint/【序】.pptx
+++ b/Bilibili_Course/LLM/PowerPoint/【序】.pptx
@@ -3554,8 +3554,8 @@
         </p:nvSpPr>
         <p:spPr>
           <a:xfrm>
-            <a:off x="4710346" y="4246570"/>
-            <a:ext cx="2643355" cy="369332"/>
+            <a:off x="4710347" y="4208074"/>
+            <a:ext cx="2643355" cy="461665"/>
           </a:xfrm>
           <a:prstGeom prst="rect">
             <a:avLst/>
@@ -3573,7 +3573,7 @@
           <a:lstStyle/>
           <a:p>
             <a:r>
-              <a:rPr lang="en-US" altLang="zh-CN" dirty="0" smtClean="0">
+              <a:rPr lang="en-US" altLang="zh-CN" sz="2400" b="1" dirty="0" smtClean="0">
                 <a:solidFill>
                   <a:schemeClr val="accent1"/>
                 </a:solidFill>
@@ -3582,7 +3582,7 @@
               </a:rPr>
               <a:t>@Sakura</a:t>
             </a:r>
-            <a:endParaRPr lang="en-US" altLang="zh-CN" dirty="0">
+            <a:endParaRPr lang="en-US" altLang="zh-CN" sz="2400" b="1" dirty="0">
               <a:solidFill>
                 <a:schemeClr val="accent1"/>
               </a:solidFill>
@@ -9607,7 +9607,7 @@
         </p:blipFill>
         <p:spPr>
           <a:xfrm>
-            <a:off x="303663" y="1683124"/>
+            <a:off x="303663" y="1874512"/>
             <a:ext cx="5783570" cy="3575194"/>
           </a:xfrm>
           <a:prstGeom prst="rect">

--- a/Bilibili_Course/LLM/PowerPoint/【序】.pptx
+++ b/Bilibili_Course/LLM/PowerPoint/【序】.pptx
@@ -212,7 +212,7 @@
           <a:p>
             <a:fld id="{FF8EFD6C-812A-4A56-9426-F3494F1E5E51}" type="datetimeFigureOut">
               <a:rPr lang="zh-CN" altLang="en-US" smtClean="0"/>
-              <a:t>2024/5/9</a:t>
+              <a:t>2024/5/10</a:t>
             </a:fld>
             <a:endParaRPr lang="zh-CN" altLang="en-US"/>
           </a:p>
@@ -695,7 +695,7 @@
           <a:p>
             <a:fld id="{A09E3DFA-BA45-4ECB-ADB1-7875A20F77B9}" type="datetimeFigureOut">
               <a:rPr lang="zh-CN" altLang="en-US" smtClean="0"/>
-              <a:t>2024/5/9</a:t>
+              <a:t>2024/5/10</a:t>
             </a:fld>
             <a:endParaRPr lang="zh-CN" altLang="en-US"/>
           </a:p>
@@ -865,7 +865,7 @@
           <a:p>
             <a:fld id="{A09E3DFA-BA45-4ECB-ADB1-7875A20F77B9}" type="datetimeFigureOut">
               <a:rPr lang="zh-CN" altLang="en-US" smtClean="0"/>
-              <a:t>2024/5/9</a:t>
+              <a:t>2024/5/10</a:t>
             </a:fld>
             <a:endParaRPr lang="zh-CN" altLang="en-US"/>
           </a:p>
@@ -1045,7 +1045,7 @@
           <a:p>
             <a:fld id="{A09E3DFA-BA45-4ECB-ADB1-7875A20F77B9}" type="datetimeFigureOut">
               <a:rPr lang="zh-CN" altLang="en-US" smtClean="0"/>
-              <a:t>2024/5/9</a:t>
+              <a:t>2024/5/10</a:t>
             </a:fld>
             <a:endParaRPr lang="zh-CN" altLang="en-US"/>
           </a:p>
@@ -1215,7 +1215,7 @@
           <a:p>
             <a:fld id="{A09E3DFA-BA45-4ECB-ADB1-7875A20F77B9}" type="datetimeFigureOut">
               <a:rPr lang="zh-CN" altLang="en-US" smtClean="0"/>
-              <a:t>2024/5/9</a:t>
+              <a:t>2024/5/10</a:t>
             </a:fld>
             <a:endParaRPr lang="zh-CN" altLang="en-US"/>
           </a:p>
@@ -1461,7 +1461,7 @@
           <a:p>
             <a:fld id="{A09E3DFA-BA45-4ECB-ADB1-7875A20F77B9}" type="datetimeFigureOut">
               <a:rPr lang="zh-CN" altLang="en-US" smtClean="0"/>
-              <a:t>2024/5/9</a:t>
+              <a:t>2024/5/10</a:t>
             </a:fld>
             <a:endParaRPr lang="zh-CN" altLang="en-US"/>
           </a:p>
@@ -1693,7 +1693,7 @@
           <a:p>
             <a:fld id="{A09E3DFA-BA45-4ECB-ADB1-7875A20F77B9}" type="datetimeFigureOut">
               <a:rPr lang="zh-CN" altLang="en-US" smtClean="0"/>
-              <a:t>2024/5/9</a:t>
+              <a:t>2024/5/10</a:t>
             </a:fld>
             <a:endParaRPr lang="zh-CN" altLang="en-US"/>
           </a:p>
@@ -2060,7 +2060,7 @@
           <a:p>
             <a:fld id="{A09E3DFA-BA45-4ECB-ADB1-7875A20F77B9}" type="datetimeFigureOut">
               <a:rPr lang="zh-CN" altLang="en-US" smtClean="0"/>
-              <a:t>2024/5/9</a:t>
+              <a:t>2024/5/10</a:t>
             </a:fld>
             <a:endParaRPr lang="zh-CN" altLang="en-US"/>
           </a:p>
@@ -2178,7 +2178,7 @@
           <a:p>
             <a:fld id="{A09E3DFA-BA45-4ECB-ADB1-7875A20F77B9}" type="datetimeFigureOut">
               <a:rPr lang="zh-CN" altLang="en-US" smtClean="0"/>
-              <a:t>2024/5/9</a:t>
+              <a:t>2024/5/10</a:t>
             </a:fld>
             <a:endParaRPr lang="zh-CN" altLang="en-US"/>
           </a:p>
@@ -2273,7 +2273,7 @@
           <a:p>
             <a:fld id="{A09E3DFA-BA45-4ECB-ADB1-7875A20F77B9}" type="datetimeFigureOut">
               <a:rPr lang="zh-CN" altLang="en-US" smtClean="0"/>
-              <a:t>2024/5/9</a:t>
+              <a:t>2024/5/10</a:t>
             </a:fld>
             <a:endParaRPr lang="zh-CN" altLang="en-US"/>
           </a:p>
@@ -2550,7 +2550,7 @@
           <a:p>
             <a:fld id="{A09E3DFA-BA45-4ECB-ADB1-7875A20F77B9}" type="datetimeFigureOut">
               <a:rPr lang="zh-CN" altLang="en-US" smtClean="0"/>
-              <a:t>2024/5/9</a:t>
+              <a:t>2024/5/10</a:t>
             </a:fld>
             <a:endParaRPr lang="zh-CN" altLang="en-US"/>
           </a:p>
@@ -2803,7 +2803,7 @@
           <a:p>
             <a:fld id="{A09E3DFA-BA45-4ECB-ADB1-7875A20F77B9}" type="datetimeFigureOut">
               <a:rPr lang="zh-CN" altLang="en-US" smtClean="0"/>
-              <a:t>2024/5/9</a:t>
+              <a:t>2024/5/10</a:t>
             </a:fld>
             <a:endParaRPr lang="zh-CN" altLang="en-US"/>
           </a:p>
@@ -3016,7 +3016,7 @@
           <a:p>
             <a:fld id="{A09E3DFA-BA45-4ECB-ADB1-7875A20F77B9}" type="datetimeFigureOut">
               <a:rPr lang="zh-CN" altLang="en-US" smtClean="0"/>
-              <a:t>2024/5/9</a:t>
+              <a:t>2024/5/10</a:t>
             </a:fld>
             <a:endParaRPr lang="zh-CN" altLang="en-US"/>
           </a:p>
@@ -3555,7 +3555,7 @@
         <p:spPr>
           <a:xfrm>
             <a:off x="4710347" y="4208074"/>
-            <a:ext cx="2643355" cy="461665"/>
+            <a:ext cx="1584127" cy="461665"/>
           </a:xfrm>
           <a:prstGeom prst="rect">
             <a:avLst/>
